--- a/KaggleOnlineRetail/KaggleEcommercePresentation.pptx
+++ b/KaggleOnlineRetail/KaggleEcommercePresentation.pptx
@@ -7,10 +7,11 @@
   <p:sldIdLst>
     <p:sldId id="256" r:id="rId2"/>
     <p:sldId id="257" r:id="rId3"/>
-    <p:sldId id="258" r:id="rId4"/>
+    <p:sldId id="263" r:id="rId4"/>
     <p:sldId id="259" r:id="rId5"/>
     <p:sldId id="260" r:id="rId6"/>
     <p:sldId id="261" r:id="rId7"/>
+    <p:sldId id="262" r:id="rId8"/>
   </p:sldIdLst>
   <p:sldSz cx="12192000" cy="6858000"/>
   <p:notesSz cx="6858000" cy="9144000"/>
@@ -109,6 +110,11 @@
       </a:defRPr>
     </a:lvl9pPr>
   </p:defaultTextStyle>
+  <p:extLst>
+    <p:ext uri="{EFAFB233-063F-42B5-8137-9DF3F51BA10A}">
+      <p15:sldGuideLst xmlns:p15="http://schemas.microsoft.com/office/powerpoint/2012/main"/>
+    </p:ext>
+  </p:extLst>
 </p:presentation>
 </file>
 
@@ -261,7 +267,7 @@
           <a:p>
             <a:fld id="{7897FCF8-AAED-4BFD-B1FC-5763B2D97459}" type="datetimeFigureOut">
               <a:rPr lang="en-GB" smtClean="0"/>
-              <a:t>12/12/2021</a:t>
+              <a:t>13/12/2021</a:t>
             </a:fld>
             <a:endParaRPr lang="en-GB"/>
           </a:p>
@@ -461,7 +467,7 @@
           <a:p>
             <a:fld id="{7897FCF8-AAED-4BFD-B1FC-5763B2D97459}" type="datetimeFigureOut">
               <a:rPr lang="en-GB" smtClean="0"/>
-              <a:t>12/12/2021</a:t>
+              <a:t>13/12/2021</a:t>
             </a:fld>
             <a:endParaRPr lang="en-GB"/>
           </a:p>
@@ -671,7 +677,7 @@
           <a:p>
             <a:fld id="{7897FCF8-AAED-4BFD-B1FC-5763B2D97459}" type="datetimeFigureOut">
               <a:rPr lang="en-GB" smtClean="0"/>
-              <a:t>12/12/2021</a:t>
+              <a:t>13/12/2021</a:t>
             </a:fld>
             <a:endParaRPr lang="en-GB"/>
           </a:p>
@@ -871,7 +877,7 @@
           <a:p>
             <a:fld id="{7897FCF8-AAED-4BFD-B1FC-5763B2D97459}" type="datetimeFigureOut">
               <a:rPr lang="en-GB" smtClean="0"/>
-              <a:t>12/12/2021</a:t>
+              <a:t>13/12/2021</a:t>
             </a:fld>
             <a:endParaRPr lang="en-GB"/>
           </a:p>
@@ -1147,7 +1153,7 @@
           <a:p>
             <a:fld id="{7897FCF8-AAED-4BFD-B1FC-5763B2D97459}" type="datetimeFigureOut">
               <a:rPr lang="en-GB" smtClean="0"/>
-              <a:t>12/12/2021</a:t>
+              <a:t>13/12/2021</a:t>
             </a:fld>
             <a:endParaRPr lang="en-GB"/>
           </a:p>
@@ -1415,7 +1421,7 @@
           <a:p>
             <a:fld id="{7897FCF8-AAED-4BFD-B1FC-5763B2D97459}" type="datetimeFigureOut">
               <a:rPr lang="en-GB" smtClean="0"/>
-              <a:t>12/12/2021</a:t>
+              <a:t>13/12/2021</a:t>
             </a:fld>
             <a:endParaRPr lang="en-GB"/>
           </a:p>
@@ -1830,7 +1836,7 @@
           <a:p>
             <a:fld id="{7897FCF8-AAED-4BFD-B1FC-5763B2D97459}" type="datetimeFigureOut">
               <a:rPr lang="en-GB" smtClean="0"/>
-              <a:t>12/12/2021</a:t>
+              <a:t>13/12/2021</a:t>
             </a:fld>
             <a:endParaRPr lang="en-GB"/>
           </a:p>
@@ -1972,7 +1978,7 @@
           <a:p>
             <a:fld id="{7897FCF8-AAED-4BFD-B1FC-5763B2D97459}" type="datetimeFigureOut">
               <a:rPr lang="en-GB" smtClean="0"/>
-              <a:t>12/12/2021</a:t>
+              <a:t>13/12/2021</a:t>
             </a:fld>
             <a:endParaRPr lang="en-GB"/>
           </a:p>
@@ -2085,7 +2091,7 @@
           <a:p>
             <a:fld id="{7897FCF8-AAED-4BFD-B1FC-5763B2D97459}" type="datetimeFigureOut">
               <a:rPr lang="en-GB" smtClean="0"/>
-              <a:t>12/12/2021</a:t>
+              <a:t>13/12/2021</a:t>
             </a:fld>
             <a:endParaRPr lang="en-GB"/>
           </a:p>
@@ -2398,7 +2404,7 @@
           <a:p>
             <a:fld id="{7897FCF8-AAED-4BFD-B1FC-5763B2D97459}" type="datetimeFigureOut">
               <a:rPr lang="en-GB" smtClean="0"/>
-              <a:t>12/12/2021</a:t>
+              <a:t>13/12/2021</a:t>
             </a:fld>
             <a:endParaRPr lang="en-GB"/>
           </a:p>
@@ -2687,7 +2693,7 @@
           <a:p>
             <a:fld id="{7897FCF8-AAED-4BFD-B1FC-5763B2D97459}" type="datetimeFigureOut">
               <a:rPr lang="en-GB" smtClean="0"/>
-              <a:t>12/12/2021</a:t>
+              <a:t>13/12/2021</a:t>
             </a:fld>
             <a:endParaRPr lang="en-GB"/>
           </a:p>
@@ -2930,7 +2936,7 @@
           <a:p>
             <a:fld id="{7897FCF8-AAED-4BFD-B1FC-5763B2D97459}" type="datetimeFigureOut">
               <a:rPr lang="en-GB" smtClean="0"/>
-              <a:t>12/12/2021</a:t>
+              <a:t>13/12/2021</a:t>
             </a:fld>
             <a:endParaRPr lang="en-GB"/>
           </a:p>
@@ -3691,7 +3697,7 @@
                 </a:solidFill>
                 <a:latin typeface="Arial" panose="020B0604020202020204" pitchFamily="34" charset="0"/>
               </a:rPr>
-              <a:t>here is an opportunity for segmentation to improve customer retention and development</a:t>
+              <a:t>here may be opportunity for segmentation to improve customer retention and development</a:t>
             </a:r>
           </a:p>
         </p:txBody>
@@ -4176,190 +4182,6 @@
       </p:grpSpPr>
       <p:sp>
         <p:nvSpPr>
-          <p:cNvPr id="13" name="Rectangle 12">
-            <a:extLst>
-              <a:ext uri="{FF2B5EF4-FFF2-40B4-BE49-F238E27FC236}">
-                <a16:creationId xmlns:a16="http://schemas.microsoft.com/office/drawing/2014/main" id="{5905376D-6CB3-4CDB-A07A-8DBFF9B912CF}"/>
-              </a:ext>
-            </a:extLst>
-          </p:cNvPr>
-          <p:cNvSpPr/>
-          <p:nvPr/>
-        </p:nvSpPr>
-        <p:spPr>
-          <a:xfrm>
-            <a:off x="1076725" y="698560"/>
-            <a:ext cx="10762849" cy="590550"/>
-          </a:xfrm>
-          <a:prstGeom prst="rect">
-            <a:avLst/>
-          </a:prstGeom>
-          <a:solidFill>
-            <a:schemeClr val="bg1"/>
-          </a:solidFill>
-          <a:ln>
-            <a:solidFill>
-              <a:schemeClr val="bg1"/>
-            </a:solidFill>
-          </a:ln>
-        </p:spPr>
-        <p:style>
-          <a:lnRef idx="2">
-            <a:schemeClr val="accent1">
-              <a:shade val="50000"/>
-            </a:schemeClr>
-          </a:lnRef>
-          <a:fillRef idx="1">
-            <a:schemeClr val="accent1"/>
-          </a:fillRef>
-          <a:effectRef idx="0">
-            <a:schemeClr val="accent1"/>
-          </a:effectRef>
-          <a:fontRef idx="minor">
-            <a:schemeClr val="lt1"/>
-          </a:fontRef>
-        </p:style>
-        <p:txBody>
-          <a:bodyPr rtlCol="0" anchor="ctr"/>
-          <a:lstStyle/>
-          <a:p>
-            <a:endParaRPr lang="en-GB" sz="2000" dirty="0">
-              <a:solidFill>
-                <a:schemeClr val="accent6">
-                  <a:lumMod val="40000"/>
-                  <a:lumOff val="60000"/>
-                </a:schemeClr>
-              </a:solidFill>
-              <a:latin typeface="Arial" panose="020B0604020202020204" pitchFamily="34" charset="0"/>
-            </a:endParaRPr>
-          </a:p>
-        </p:txBody>
-      </p:sp>
-      <p:sp>
-        <p:nvSpPr>
-          <p:cNvPr id="6" name="Rectangle 5">
-            <a:extLst>
-              <a:ext uri="{FF2B5EF4-FFF2-40B4-BE49-F238E27FC236}">
-                <a16:creationId xmlns:a16="http://schemas.microsoft.com/office/drawing/2014/main" id="{4C3D0FE1-3C0B-4804-B983-8B6E54250F70}"/>
-              </a:ext>
-            </a:extLst>
-          </p:cNvPr>
-          <p:cNvSpPr/>
-          <p:nvPr/>
-        </p:nvSpPr>
-        <p:spPr>
-          <a:xfrm>
-            <a:off x="1076725" y="213478"/>
-            <a:ext cx="8505424" cy="590550"/>
-          </a:xfrm>
-          <a:prstGeom prst="rect">
-            <a:avLst/>
-          </a:prstGeom>
-          <a:solidFill>
-            <a:schemeClr val="bg1"/>
-          </a:solidFill>
-          <a:ln>
-            <a:solidFill>
-              <a:schemeClr val="bg1"/>
-            </a:solidFill>
-          </a:ln>
-        </p:spPr>
-        <p:style>
-          <a:lnRef idx="2">
-            <a:schemeClr val="accent1">
-              <a:shade val="50000"/>
-            </a:schemeClr>
-          </a:lnRef>
-          <a:fillRef idx="1">
-            <a:schemeClr val="accent1"/>
-          </a:fillRef>
-          <a:effectRef idx="0">
-            <a:schemeClr val="accent1"/>
-          </a:effectRef>
-          <a:fontRef idx="minor">
-            <a:schemeClr val="lt1"/>
-          </a:fontRef>
-        </p:style>
-        <p:txBody>
-          <a:bodyPr rtlCol="0" anchor="ctr"/>
-          <a:lstStyle/>
-          <a:p>
-            <a:r>
-              <a:rPr lang="en-GB" sz="2000" dirty="0">
-                <a:solidFill>
-                  <a:schemeClr val="accent5">
-                    <a:lumMod val="75000"/>
-                  </a:schemeClr>
-                </a:solidFill>
-                <a:latin typeface="Arial" panose="020B0604020202020204" pitchFamily="34" charset="0"/>
-              </a:rPr>
-              <a:t>ABCD Analysis</a:t>
-            </a:r>
-          </a:p>
-        </p:txBody>
-      </p:sp>
-      <p:pic>
-        <p:nvPicPr>
-          <p:cNvPr id="12" name="Picture 11">
-            <a:extLst>
-              <a:ext uri="{FF2B5EF4-FFF2-40B4-BE49-F238E27FC236}">
-                <a16:creationId xmlns:a16="http://schemas.microsoft.com/office/drawing/2014/main" id="{051F82B9-812B-4B88-A183-3832826C5B48}"/>
-              </a:ext>
-            </a:extLst>
-          </p:cNvPr>
-          <p:cNvPicPr>
-            <a:picLocks noChangeAspect="1"/>
-          </p:cNvPicPr>
-          <p:nvPr/>
-        </p:nvPicPr>
-        <p:blipFill>
-          <a:blip r:embed="rId2"/>
-          <a:stretch>
-            <a:fillRect/>
-          </a:stretch>
-        </p:blipFill>
-        <p:spPr>
-          <a:xfrm>
-            <a:off x="1181501" y="1191895"/>
-            <a:ext cx="9391650" cy="5666105"/>
-          </a:xfrm>
-          <a:prstGeom prst="rect">
-            <a:avLst/>
-          </a:prstGeom>
-        </p:spPr>
-      </p:pic>
-    </p:spTree>
-    <p:extLst>
-      <p:ext uri="{BB962C8B-B14F-4D97-AF65-F5344CB8AC3E}">
-        <p14:creationId xmlns:p14="http://schemas.microsoft.com/office/powerpoint/2010/main" val="2100917835"/>
-      </p:ext>
-    </p:extLst>
-  </p:cSld>
-  <p:clrMapOvr>
-    <a:masterClrMapping/>
-  </p:clrMapOvr>
-</p:sld>
-</file>
-
-<file path=ppt/slides/slide4.xml><?xml version="1.0" encoding="utf-8"?>
-<p:sld xmlns:a="http://schemas.openxmlformats.org/drawingml/2006/main" xmlns:r="http://schemas.openxmlformats.org/officeDocument/2006/relationships" xmlns:p="http://schemas.openxmlformats.org/presentationml/2006/main">
-  <p:cSld>
-    <p:spTree>
-      <p:nvGrpSpPr>
-        <p:cNvPr id="1" name=""/>
-        <p:cNvGrpSpPr/>
-        <p:nvPr/>
-      </p:nvGrpSpPr>
-      <p:grpSpPr>
-        <a:xfrm>
-          <a:off x="0" y="0"/>
-          <a:ext cx="0" cy="0"/>
-          <a:chOff x="0" y="0"/>
-          <a:chExt cx="0" cy="0"/>
-        </a:xfrm>
-      </p:grpSpPr>
-      <p:sp>
-        <p:nvSpPr>
           <p:cNvPr id="6" name="Rectangle 5">
             <a:extLst>
               <a:ext uri="{FF2B5EF4-FFF2-40B4-BE49-F238E27FC236}">
@@ -4423,10 +4245,10 @@
       </p:sp>
       <p:sp>
         <p:nvSpPr>
-          <p:cNvPr id="13" name="Rectangle 12">
-            <a:extLst>
-              <a:ext uri="{FF2B5EF4-FFF2-40B4-BE49-F238E27FC236}">
-                <a16:creationId xmlns:a16="http://schemas.microsoft.com/office/drawing/2014/main" id="{5905376D-6CB3-4CDB-A07A-8DBFF9B912CF}"/>
+          <p:cNvPr id="5" name="Rectangle 4">
+            <a:extLst>
+              <a:ext uri="{FF2B5EF4-FFF2-40B4-BE49-F238E27FC236}">
+                <a16:creationId xmlns:a16="http://schemas.microsoft.com/office/drawing/2014/main" id="{C6AC6CEF-0AA8-40FD-8593-401694420C71}"/>
               </a:ext>
             </a:extLst>
           </p:cNvPr>
@@ -4435,8 +4257,8 @@
         </p:nvSpPr>
         <p:spPr>
           <a:xfrm>
-            <a:off x="714575" y="604003"/>
-            <a:ext cx="10762849" cy="632919"/>
+            <a:off x="3137893" y="752474"/>
+            <a:ext cx="2540516" cy="475757"/>
           </a:xfrm>
           <a:prstGeom prst="rect">
             <a:avLst/>
@@ -4471,21 +4293,20 @@
           <a:lstStyle/>
           <a:p>
             <a:r>
-              <a:rPr lang="en-GB" sz="2000" dirty="0">
+              <a:rPr lang="en-GB" sz="1600" dirty="0">
                 <a:solidFill>
                   <a:schemeClr val="bg1">
-                    <a:lumMod val="50000"/>
+                    <a:lumMod val="65000"/>
                   </a:schemeClr>
                 </a:solidFill>
                 <a:latin typeface="Arial" panose="020B0604020202020204" pitchFamily="34" charset="0"/>
               </a:rPr>
-              <a:t>Category </a:t>
+              <a:t>Number of Customers</a:t>
             </a:r>
             <a:endParaRPr lang="en-GB" sz="2000" dirty="0">
               <a:solidFill>
-                <a:schemeClr val="accent6">
-                  <a:lumMod val="40000"/>
-                  <a:lumOff val="60000"/>
+                <a:schemeClr val="accent4">
+                  <a:lumMod val="75000"/>
                 </a:schemeClr>
               </a:solidFill>
               <a:latin typeface="Arial" panose="020B0604020202020204" pitchFamily="34" charset="0"/>
@@ -4493,12 +4314,154 @@
           </a:p>
         </p:txBody>
       </p:sp>
+      <p:sp>
+        <p:nvSpPr>
+          <p:cNvPr id="7" name="Rectangle 6">
+            <a:extLst>
+              <a:ext uri="{FF2B5EF4-FFF2-40B4-BE49-F238E27FC236}">
+                <a16:creationId xmlns:a16="http://schemas.microsoft.com/office/drawing/2014/main" id="{47307E1A-1CD8-4C5A-862B-E9EC842C0188}"/>
+              </a:ext>
+            </a:extLst>
+          </p:cNvPr>
+          <p:cNvSpPr/>
+          <p:nvPr/>
+        </p:nvSpPr>
+        <p:spPr>
+          <a:xfrm>
+            <a:off x="5675510" y="842963"/>
+            <a:ext cx="2200274" cy="475757"/>
+          </a:xfrm>
+          <a:prstGeom prst="rect">
+            <a:avLst/>
+          </a:prstGeom>
+          <a:solidFill>
+            <a:schemeClr val="bg1"/>
+          </a:solidFill>
+          <a:ln>
+            <a:solidFill>
+              <a:schemeClr val="bg1"/>
+            </a:solidFill>
+          </a:ln>
+        </p:spPr>
+        <p:style>
+          <a:lnRef idx="2">
+            <a:schemeClr val="accent1">
+              <a:shade val="50000"/>
+            </a:schemeClr>
+          </a:lnRef>
+          <a:fillRef idx="1">
+            <a:schemeClr val="accent1"/>
+          </a:fillRef>
+          <a:effectRef idx="0">
+            <a:schemeClr val="accent1"/>
+          </a:effectRef>
+          <a:fontRef idx="minor">
+            <a:schemeClr val="lt1"/>
+          </a:fontRef>
+        </p:style>
+        <p:txBody>
+          <a:bodyPr rtlCol="0" anchor="ctr"/>
+          <a:lstStyle/>
+          <a:p>
+            <a:r>
+              <a:rPr lang="en-GB" sz="1600" dirty="0">
+                <a:solidFill>
+                  <a:schemeClr val="bg1">
+                    <a:lumMod val="65000"/>
+                  </a:schemeClr>
+                </a:solidFill>
+                <a:latin typeface="Arial" panose="020B0604020202020204" pitchFamily="34" charset="0"/>
+              </a:rPr>
+              <a:t>Average Customer Value</a:t>
+            </a:r>
+            <a:endParaRPr lang="en-GB" sz="2000" dirty="0">
+              <a:solidFill>
+                <a:schemeClr val="accent4">
+                  <a:lumMod val="75000"/>
+                </a:schemeClr>
+              </a:solidFill>
+              <a:latin typeface="Arial" panose="020B0604020202020204" pitchFamily="34" charset="0"/>
+            </a:endParaRPr>
+          </a:p>
+        </p:txBody>
+      </p:sp>
+      <p:sp>
+        <p:nvSpPr>
+          <p:cNvPr id="8" name="Rectangle 7">
+            <a:extLst>
+              <a:ext uri="{FF2B5EF4-FFF2-40B4-BE49-F238E27FC236}">
+                <a16:creationId xmlns:a16="http://schemas.microsoft.com/office/drawing/2014/main" id="{75579A41-BB71-471C-8939-AAED180712C0}"/>
+              </a:ext>
+            </a:extLst>
+          </p:cNvPr>
+          <p:cNvSpPr/>
+          <p:nvPr/>
+        </p:nvSpPr>
+        <p:spPr>
+          <a:xfrm>
+            <a:off x="8144209" y="738187"/>
+            <a:ext cx="2200274" cy="475757"/>
+          </a:xfrm>
+          <a:prstGeom prst="rect">
+            <a:avLst/>
+          </a:prstGeom>
+          <a:solidFill>
+            <a:schemeClr val="bg1"/>
+          </a:solidFill>
+          <a:ln>
+            <a:solidFill>
+              <a:schemeClr val="bg1"/>
+            </a:solidFill>
+          </a:ln>
+        </p:spPr>
+        <p:style>
+          <a:lnRef idx="2">
+            <a:schemeClr val="accent1">
+              <a:shade val="50000"/>
+            </a:schemeClr>
+          </a:lnRef>
+          <a:fillRef idx="1">
+            <a:schemeClr val="accent1"/>
+          </a:fillRef>
+          <a:effectRef idx="0">
+            <a:schemeClr val="accent1"/>
+          </a:effectRef>
+          <a:fontRef idx="minor">
+            <a:schemeClr val="lt1"/>
+          </a:fontRef>
+        </p:style>
+        <p:txBody>
+          <a:bodyPr rtlCol="0" anchor="ctr"/>
+          <a:lstStyle/>
+          <a:p>
+            <a:r>
+              <a:rPr lang="en-GB" sz="1600" dirty="0">
+                <a:solidFill>
+                  <a:schemeClr val="bg1">
+                    <a:lumMod val="65000"/>
+                  </a:schemeClr>
+                </a:solidFill>
+                <a:latin typeface="Arial" panose="020B0604020202020204" pitchFamily="34" charset="0"/>
+              </a:rPr>
+              <a:t>Total Sales</a:t>
+            </a:r>
+            <a:endParaRPr lang="en-GB" sz="2000" dirty="0">
+              <a:solidFill>
+                <a:schemeClr val="accent4">
+                  <a:lumMod val="75000"/>
+                </a:schemeClr>
+              </a:solidFill>
+              <a:latin typeface="Arial" panose="020B0604020202020204" pitchFamily="34" charset="0"/>
+            </a:endParaRPr>
+          </a:p>
+        </p:txBody>
+      </p:sp>
       <p:pic>
         <p:nvPicPr>
-          <p:cNvPr id="3" name="Picture 2">
-            <a:extLst>
-              <a:ext uri="{FF2B5EF4-FFF2-40B4-BE49-F238E27FC236}">
-                <a16:creationId xmlns:a16="http://schemas.microsoft.com/office/drawing/2014/main" id="{1BB228DE-B5BB-4194-8DBF-D5B7FB1F33BB}"/>
+          <p:cNvPr id="9" name="Picture 8">
+            <a:extLst>
+              <a:ext uri="{FF2B5EF4-FFF2-40B4-BE49-F238E27FC236}">
+                <a16:creationId xmlns:a16="http://schemas.microsoft.com/office/drawing/2014/main" id="{709840E2-916E-433D-AEBF-80847C380000}"/>
               </a:ext>
             </a:extLst>
           </p:cNvPr>
@@ -4515,7 +4478,202 @@
         </p:blipFill>
         <p:spPr>
           <a:xfrm>
-            <a:off x="845543" y="1236922"/>
+            <a:off x="1191026" y="1271095"/>
+            <a:ext cx="9391650" cy="5666105"/>
+          </a:xfrm>
+          <a:prstGeom prst="rect">
+            <a:avLst/>
+          </a:prstGeom>
+        </p:spPr>
+      </p:pic>
+      <p:sp>
+        <p:nvSpPr>
+          <p:cNvPr id="13" name="Rectangle 12">
+            <a:extLst>
+              <a:ext uri="{FF2B5EF4-FFF2-40B4-BE49-F238E27FC236}">
+                <a16:creationId xmlns:a16="http://schemas.microsoft.com/office/drawing/2014/main" id="{5905376D-6CB3-4CDB-A07A-8DBFF9B912CF}"/>
+              </a:ext>
+            </a:extLst>
+          </p:cNvPr>
+          <p:cNvSpPr/>
+          <p:nvPr/>
+        </p:nvSpPr>
+        <p:spPr>
+          <a:xfrm>
+            <a:off x="981075" y="6381750"/>
+            <a:ext cx="10991851" cy="771525"/>
+          </a:xfrm>
+          <a:prstGeom prst="rect">
+            <a:avLst/>
+          </a:prstGeom>
+          <a:solidFill>
+            <a:schemeClr val="bg1"/>
+          </a:solidFill>
+          <a:ln>
+            <a:solidFill>
+              <a:schemeClr val="bg1"/>
+            </a:solidFill>
+          </a:ln>
+        </p:spPr>
+        <p:style>
+          <a:lnRef idx="2">
+            <a:schemeClr val="accent1">
+              <a:shade val="50000"/>
+            </a:schemeClr>
+          </a:lnRef>
+          <a:fillRef idx="1">
+            <a:schemeClr val="accent1"/>
+          </a:fillRef>
+          <a:effectRef idx="0">
+            <a:schemeClr val="accent1"/>
+          </a:effectRef>
+          <a:fontRef idx="minor">
+            <a:schemeClr val="lt1"/>
+          </a:fontRef>
+        </p:style>
+        <p:txBody>
+          <a:bodyPr rtlCol="0" anchor="ctr"/>
+          <a:lstStyle/>
+          <a:p>
+            <a:r>
+              <a:rPr lang="en-GB" sz="2000" dirty="0">
+                <a:solidFill>
+                  <a:schemeClr val="bg1">
+                    <a:lumMod val="50000"/>
+                  </a:schemeClr>
+                </a:solidFill>
+                <a:latin typeface="Arial" panose="020B0604020202020204" pitchFamily="34" charset="0"/>
+              </a:rPr>
+              <a:t> </a:t>
+            </a:r>
+            <a:endParaRPr lang="en-GB" sz="2000" dirty="0">
+              <a:solidFill>
+                <a:schemeClr val="accent6">
+                  <a:lumMod val="40000"/>
+                  <a:lumOff val="60000"/>
+                </a:schemeClr>
+              </a:solidFill>
+              <a:latin typeface="Arial" panose="020B0604020202020204" pitchFamily="34" charset="0"/>
+            </a:endParaRPr>
+          </a:p>
+        </p:txBody>
+      </p:sp>
+    </p:spTree>
+    <p:extLst>
+      <p:ext uri="{BB962C8B-B14F-4D97-AF65-F5344CB8AC3E}">
+        <p14:creationId xmlns:p14="http://schemas.microsoft.com/office/powerpoint/2010/main" val="2515082029"/>
+      </p:ext>
+    </p:extLst>
+  </p:cSld>
+  <p:clrMapOvr>
+    <a:masterClrMapping/>
+  </p:clrMapOvr>
+</p:sld>
+</file>
+
+<file path=ppt/slides/slide4.xml><?xml version="1.0" encoding="utf-8"?>
+<p:sld xmlns:a="http://schemas.openxmlformats.org/drawingml/2006/main" xmlns:r="http://schemas.openxmlformats.org/officeDocument/2006/relationships" xmlns:p="http://schemas.openxmlformats.org/presentationml/2006/main">
+  <p:cSld>
+    <p:spTree>
+      <p:nvGrpSpPr>
+        <p:cNvPr id="1" name=""/>
+        <p:cNvGrpSpPr/>
+        <p:nvPr/>
+      </p:nvGrpSpPr>
+      <p:grpSpPr>
+        <a:xfrm>
+          <a:off x="0" y="0"/>
+          <a:ext cx="0" cy="0"/>
+          <a:chOff x="0" y="0"/>
+          <a:chExt cx="0" cy="0"/>
+        </a:xfrm>
+      </p:grpSpPr>
+      <p:sp>
+        <p:nvSpPr>
+          <p:cNvPr id="6" name="Rectangle 5">
+            <a:extLst>
+              <a:ext uri="{FF2B5EF4-FFF2-40B4-BE49-F238E27FC236}">
+                <a16:creationId xmlns:a16="http://schemas.microsoft.com/office/drawing/2014/main" id="{4C3D0FE1-3C0B-4804-B983-8B6E54250F70}"/>
+              </a:ext>
+            </a:extLst>
+          </p:cNvPr>
+          <p:cNvSpPr/>
+          <p:nvPr/>
+        </p:nvSpPr>
+        <p:spPr>
+          <a:xfrm>
+            <a:off x="714575" y="204788"/>
+            <a:ext cx="8505424" cy="590550"/>
+          </a:xfrm>
+          <a:prstGeom prst="rect">
+            <a:avLst/>
+          </a:prstGeom>
+          <a:solidFill>
+            <a:schemeClr val="bg1"/>
+          </a:solidFill>
+          <a:ln>
+            <a:solidFill>
+              <a:schemeClr val="bg1"/>
+            </a:solidFill>
+          </a:ln>
+        </p:spPr>
+        <p:style>
+          <a:lnRef idx="2">
+            <a:schemeClr val="accent1">
+              <a:shade val="50000"/>
+            </a:schemeClr>
+          </a:lnRef>
+          <a:fillRef idx="1">
+            <a:schemeClr val="accent1"/>
+          </a:fillRef>
+          <a:effectRef idx="0">
+            <a:schemeClr val="accent1"/>
+          </a:effectRef>
+          <a:fontRef idx="minor">
+            <a:schemeClr val="lt1"/>
+          </a:fontRef>
+        </p:style>
+        <p:txBody>
+          <a:bodyPr rtlCol="0" anchor="ctr"/>
+          <a:lstStyle/>
+          <a:p>
+            <a:r>
+              <a:rPr lang="en-GB" sz="2000" dirty="0">
+                <a:solidFill>
+                  <a:schemeClr val="accent5">
+                    <a:lumMod val="75000"/>
+                  </a:schemeClr>
+                </a:solidFill>
+                <a:latin typeface="Arial" panose="020B0604020202020204" pitchFamily="34" charset="0"/>
+              </a:rPr>
+              <a:t>ABCD Analysis</a:t>
+            </a:r>
+          </a:p>
+        </p:txBody>
+      </p:sp>
+      <p:pic>
+        <p:nvPicPr>
+          <p:cNvPr id="3" name="Picture 2">
+            <a:extLst>
+              <a:ext uri="{FF2B5EF4-FFF2-40B4-BE49-F238E27FC236}">
+                <a16:creationId xmlns:a16="http://schemas.microsoft.com/office/drawing/2014/main" id="{1BB228DE-B5BB-4194-8DBF-D5B7FB1F33BB}"/>
+              </a:ext>
+            </a:extLst>
+          </p:cNvPr>
+          <p:cNvPicPr>
+            <a:picLocks noChangeAspect="1"/>
+          </p:cNvPicPr>
+          <p:nvPr/>
+        </p:nvPicPr>
+        <p:blipFill>
+          <a:blip r:embed="rId2"/>
+          <a:stretch>
+            <a:fillRect/>
+          </a:stretch>
+        </p:blipFill>
+        <p:spPr>
+          <a:xfrm>
+            <a:off x="1131293" y="1385888"/>
             <a:ext cx="9472612" cy="5416290"/>
           </a:xfrm>
           <a:prstGeom prst="rect">
@@ -4523,6 +4681,304 @@
           </a:prstGeom>
         </p:spPr>
       </p:pic>
+      <p:sp>
+        <p:nvSpPr>
+          <p:cNvPr id="5" name="Rectangle 4">
+            <a:extLst>
+              <a:ext uri="{FF2B5EF4-FFF2-40B4-BE49-F238E27FC236}">
+                <a16:creationId xmlns:a16="http://schemas.microsoft.com/office/drawing/2014/main" id="{C6AC6CEF-0AA8-40FD-8593-401694420C71}"/>
+              </a:ext>
+            </a:extLst>
+          </p:cNvPr>
+          <p:cNvSpPr/>
+          <p:nvPr/>
+        </p:nvSpPr>
+        <p:spPr>
+          <a:xfrm>
+            <a:off x="2972001" y="795338"/>
+            <a:ext cx="2540516" cy="475757"/>
+          </a:xfrm>
+          <a:prstGeom prst="rect">
+            <a:avLst/>
+          </a:prstGeom>
+          <a:solidFill>
+            <a:schemeClr val="bg1"/>
+          </a:solidFill>
+          <a:ln>
+            <a:solidFill>
+              <a:schemeClr val="bg1"/>
+            </a:solidFill>
+          </a:ln>
+        </p:spPr>
+        <p:style>
+          <a:lnRef idx="2">
+            <a:schemeClr val="accent1">
+              <a:shade val="50000"/>
+            </a:schemeClr>
+          </a:lnRef>
+          <a:fillRef idx="1">
+            <a:schemeClr val="accent1"/>
+          </a:fillRef>
+          <a:effectRef idx="0">
+            <a:schemeClr val="accent1"/>
+          </a:effectRef>
+          <a:fontRef idx="minor">
+            <a:schemeClr val="lt1"/>
+          </a:fontRef>
+        </p:style>
+        <p:txBody>
+          <a:bodyPr rtlCol="0" anchor="ctr"/>
+          <a:lstStyle/>
+          <a:p>
+            <a:r>
+              <a:rPr lang="en-GB" sz="1600" dirty="0">
+                <a:solidFill>
+                  <a:schemeClr val="bg1">
+                    <a:lumMod val="65000"/>
+                  </a:schemeClr>
+                </a:solidFill>
+                <a:latin typeface="Arial" panose="020B0604020202020204" pitchFamily="34" charset="0"/>
+              </a:rPr>
+              <a:t>Average Invoice </a:t>
+            </a:r>
+          </a:p>
+          <a:p>
+            <a:r>
+              <a:rPr lang="en-GB" sz="1600" dirty="0">
+                <a:solidFill>
+                  <a:schemeClr val="bg1">
+                    <a:lumMod val="65000"/>
+                  </a:schemeClr>
+                </a:solidFill>
+                <a:latin typeface="Arial" panose="020B0604020202020204" pitchFamily="34" charset="0"/>
+              </a:rPr>
+              <a:t>Value</a:t>
+            </a:r>
+            <a:endParaRPr lang="en-GB" sz="2000" dirty="0">
+              <a:solidFill>
+                <a:schemeClr val="accent4">
+                  <a:lumMod val="75000"/>
+                </a:schemeClr>
+              </a:solidFill>
+              <a:latin typeface="Arial" panose="020B0604020202020204" pitchFamily="34" charset="0"/>
+            </a:endParaRPr>
+          </a:p>
+        </p:txBody>
+      </p:sp>
+      <p:sp>
+        <p:nvSpPr>
+          <p:cNvPr id="7" name="Rectangle 6">
+            <a:extLst>
+              <a:ext uri="{FF2B5EF4-FFF2-40B4-BE49-F238E27FC236}">
+                <a16:creationId xmlns:a16="http://schemas.microsoft.com/office/drawing/2014/main" id="{47307E1A-1CD8-4C5A-862B-E9EC842C0188}"/>
+              </a:ext>
+            </a:extLst>
+          </p:cNvPr>
+          <p:cNvSpPr/>
+          <p:nvPr/>
+        </p:nvSpPr>
+        <p:spPr>
+          <a:xfrm>
+            <a:off x="5504060" y="795338"/>
+            <a:ext cx="2200274" cy="475757"/>
+          </a:xfrm>
+          <a:prstGeom prst="rect">
+            <a:avLst/>
+          </a:prstGeom>
+          <a:solidFill>
+            <a:schemeClr val="bg1"/>
+          </a:solidFill>
+          <a:ln>
+            <a:solidFill>
+              <a:schemeClr val="bg1"/>
+            </a:solidFill>
+          </a:ln>
+        </p:spPr>
+        <p:style>
+          <a:lnRef idx="2">
+            <a:schemeClr val="accent1">
+              <a:shade val="50000"/>
+            </a:schemeClr>
+          </a:lnRef>
+          <a:fillRef idx="1">
+            <a:schemeClr val="accent1"/>
+          </a:fillRef>
+          <a:effectRef idx="0">
+            <a:schemeClr val="accent1"/>
+          </a:effectRef>
+          <a:fontRef idx="minor">
+            <a:schemeClr val="lt1"/>
+          </a:fontRef>
+        </p:style>
+        <p:txBody>
+          <a:bodyPr rtlCol="0" anchor="ctr"/>
+          <a:lstStyle/>
+          <a:p>
+            <a:r>
+              <a:rPr lang="en-GB" sz="1600" dirty="0">
+                <a:solidFill>
+                  <a:schemeClr val="bg1">
+                    <a:lumMod val="65000"/>
+                  </a:schemeClr>
+                </a:solidFill>
+                <a:latin typeface="Arial" panose="020B0604020202020204" pitchFamily="34" charset="0"/>
+              </a:rPr>
+              <a:t>Avg Stock Items / Customer</a:t>
+            </a:r>
+            <a:endParaRPr lang="en-GB" sz="2000" dirty="0">
+              <a:solidFill>
+                <a:schemeClr val="accent4">
+                  <a:lumMod val="75000"/>
+                </a:schemeClr>
+              </a:solidFill>
+              <a:latin typeface="Arial" panose="020B0604020202020204" pitchFamily="34" charset="0"/>
+            </a:endParaRPr>
+          </a:p>
+        </p:txBody>
+      </p:sp>
+      <p:sp>
+        <p:nvSpPr>
+          <p:cNvPr id="8" name="Rectangle 7">
+            <a:extLst>
+              <a:ext uri="{FF2B5EF4-FFF2-40B4-BE49-F238E27FC236}">
+                <a16:creationId xmlns:a16="http://schemas.microsoft.com/office/drawing/2014/main" id="{75579A41-BB71-471C-8939-AAED180712C0}"/>
+              </a:ext>
+            </a:extLst>
+          </p:cNvPr>
+          <p:cNvSpPr/>
+          <p:nvPr/>
+        </p:nvSpPr>
+        <p:spPr>
+          <a:xfrm>
+            <a:off x="8017269" y="795338"/>
+            <a:ext cx="2200274" cy="475757"/>
+          </a:xfrm>
+          <a:prstGeom prst="rect">
+            <a:avLst/>
+          </a:prstGeom>
+          <a:solidFill>
+            <a:schemeClr val="bg1"/>
+          </a:solidFill>
+          <a:ln>
+            <a:solidFill>
+              <a:schemeClr val="bg1"/>
+            </a:solidFill>
+          </a:ln>
+        </p:spPr>
+        <p:style>
+          <a:lnRef idx="2">
+            <a:schemeClr val="accent1">
+              <a:shade val="50000"/>
+            </a:schemeClr>
+          </a:lnRef>
+          <a:fillRef idx="1">
+            <a:schemeClr val="accent1"/>
+          </a:fillRef>
+          <a:effectRef idx="0">
+            <a:schemeClr val="accent1"/>
+          </a:effectRef>
+          <a:fontRef idx="minor">
+            <a:schemeClr val="lt1"/>
+          </a:fontRef>
+        </p:style>
+        <p:txBody>
+          <a:bodyPr rtlCol="0" anchor="ctr"/>
+          <a:lstStyle/>
+          <a:p>
+            <a:r>
+              <a:rPr lang="en-GB" sz="1600" dirty="0">
+                <a:solidFill>
+                  <a:schemeClr val="bg1">
+                    <a:lumMod val="65000"/>
+                  </a:schemeClr>
+                </a:solidFill>
+                <a:latin typeface="Arial" panose="020B0604020202020204" pitchFamily="34" charset="0"/>
+              </a:rPr>
+              <a:t>Avg Elapsed Months Per Customer</a:t>
+            </a:r>
+            <a:endParaRPr lang="en-GB" sz="2000" dirty="0">
+              <a:solidFill>
+                <a:schemeClr val="accent4">
+                  <a:lumMod val="75000"/>
+                </a:schemeClr>
+              </a:solidFill>
+              <a:latin typeface="Arial" panose="020B0604020202020204" pitchFamily="34" charset="0"/>
+            </a:endParaRPr>
+          </a:p>
+        </p:txBody>
+      </p:sp>
+      <p:sp>
+        <p:nvSpPr>
+          <p:cNvPr id="13" name="Rectangle 12">
+            <a:extLst>
+              <a:ext uri="{FF2B5EF4-FFF2-40B4-BE49-F238E27FC236}">
+                <a16:creationId xmlns:a16="http://schemas.microsoft.com/office/drawing/2014/main" id="{5905376D-6CB3-4CDB-A07A-8DBFF9B912CF}"/>
+              </a:ext>
+            </a:extLst>
+          </p:cNvPr>
+          <p:cNvSpPr/>
+          <p:nvPr/>
+        </p:nvSpPr>
+        <p:spPr>
+          <a:xfrm>
+            <a:off x="971550" y="6062662"/>
+            <a:ext cx="10991851" cy="739516"/>
+          </a:xfrm>
+          <a:prstGeom prst="rect">
+            <a:avLst/>
+          </a:prstGeom>
+          <a:solidFill>
+            <a:schemeClr val="bg1"/>
+          </a:solidFill>
+          <a:ln>
+            <a:solidFill>
+              <a:schemeClr val="bg1"/>
+            </a:solidFill>
+          </a:ln>
+        </p:spPr>
+        <p:style>
+          <a:lnRef idx="2">
+            <a:schemeClr val="accent1">
+              <a:shade val="50000"/>
+            </a:schemeClr>
+          </a:lnRef>
+          <a:fillRef idx="1">
+            <a:schemeClr val="accent1"/>
+          </a:fillRef>
+          <a:effectRef idx="0">
+            <a:schemeClr val="accent1"/>
+          </a:effectRef>
+          <a:fontRef idx="minor">
+            <a:schemeClr val="lt1"/>
+          </a:fontRef>
+        </p:style>
+        <p:txBody>
+          <a:bodyPr rtlCol="0" anchor="ctr"/>
+          <a:lstStyle/>
+          <a:p>
+            <a:r>
+              <a:rPr lang="en-GB" sz="2000" dirty="0">
+                <a:solidFill>
+                  <a:schemeClr val="bg1">
+                    <a:lumMod val="50000"/>
+                  </a:schemeClr>
+                </a:solidFill>
+                <a:latin typeface="Arial" panose="020B0604020202020204" pitchFamily="34" charset="0"/>
+              </a:rPr>
+              <a:t> </a:t>
+            </a:r>
+            <a:endParaRPr lang="en-GB" sz="2000" dirty="0">
+              <a:solidFill>
+                <a:schemeClr val="accent6">
+                  <a:lumMod val="40000"/>
+                  <a:lumOff val="60000"/>
+                </a:schemeClr>
+              </a:solidFill>
+              <a:latin typeface="Arial" panose="020B0604020202020204" pitchFamily="34" charset="0"/>
+            </a:endParaRPr>
+          </a:p>
+        </p:txBody>
+      </p:sp>
     </p:spTree>
     <p:extLst>
       <p:ext uri="{BB962C8B-B14F-4D97-AF65-F5344CB8AC3E}">
@@ -5060,6 +5516,426 @@
     <p:extLst>
       <p:ext uri="{BB962C8B-B14F-4D97-AF65-F5344CB8AC3E}">
         <p14:creationId xmlns:p14="http://schemas.microsoft.com/office/powerpoint/2010/main" val="3799295751"/>
+      </p:ext>
+    </p:extLst>
+  </p:cSld>
+  <p:clrMapOvr>
+    <a:masterClrMapping/>
+  </p:clrMapOvr>
+</p:sld>
+</file>
+
+<file path=ppt/slides/slide7.xml><?xml version="1.0" encoding="utf-8"?>
+<p:sld xmlns:a="http://schemas.openxmlformats.org/drawingml/2006/main" xmlns:r="http://schemas.openxmlformats.org/officeDocument/2006/relationships" xmlns:p="http://schemas.openxmlformats.org/presentationml/2006/main">
+  <p:cSld>
+    <p:spTree>
+      <p:nvGrpSpPr>
+        <p:cNvPr id="1" name=""/>
+        <p:cNvGrpSpPr/>
+        <p:nvPr/>
+      </p:nvGrpSpPr>
+      <p:grpSpPr>
+        <a:xfrm>
+          <a:off x="0" y="0"/>
+          <a:ext cx="0" cy="0"/>
+          <a:chOff x="0" y="0"/>
+          <a:chExt cx="0" cy="0"/>
+        </a:xfrm>
+      </p:grpSpPr>
+      <p:sp>
+        <p:nvSpPr>
+          <p:cNvPr id="6" name="Rectangle 5">
+            <a:extLst>
+              <a:ext uri="{FF2B5EF4-FFF2-40B4-BE49-F238E27FC236}">
+                <a16:creationId xmlns:a16="http://schemas.microsoft.com/office/drawing/2014/main" id="{5E7DF0BE-76AF-4D60-B5DF-32B83F581EEE}"/>
+              </a:ext>
+            </a:extLst>
+          </p:cNvPr>
+          <p:cNvSpPr/>
+          <p:nvPr/>
+        </p:nvSpPr>
+        <p:spPr>
+          <a:xfrm>
+            <a:off x="898009" y="128588"/>
+            <a:ext cx="8922266" cy="590550"/>
+          </a:xfrm>
+          <a:prstGeom prst="rect">
+            <a:avLst/>
+          </a:prstGeom>
+          <a:solidFill>
+            <a:schemeClr val="bg1"/>
+          </a:solidFill>
+          <a:ln>
+            <a:solidFill>
+              <a:schemeClr val="bg1"/>
+            </a:solidFill>
+          </a:ln>
+        </p:spPr>
+        <p:style>
+          <a:lnRef idx="2">
+            <a:schemeClr val="accent1">
+              <a:shade val="50000"/>
+            </a:schemeClr>
+          </a:lnRef>
+          <a:fillRef idx="1">
+            <a:schemeClr val="accent1"/>
+          </a:fillRef>
+          <a:effectRef idx="0">
+            <a:schemeClr val="accent1"/>
+          </a:effectRef>
+          <a:fontRef idx="minor">
+            <a:schemeClr val="lt1"/>
+          </a:fontRef>
+        </p:style>
+        <p:txBody>
+          <a:bodyPr rtlCol="0" anchor="ctr"/>
+          <a:lstStyle/>
+          <a:p>
+            <a:r>
+              <a:rPr lang="en-GB" sz="2000" dirty="0">
+                <a:solidFill>
+                  <a:schemeClr val="accent5">
+                    <a:lumMod val="75000"/>
+                  </a:schemeClr>
+                </a:solidFill>
+                <a:latin typeface="Arial" panose="020B0604020202020204" pitchFamily="34" charset="0"/>
+              </a:rPr>
+              <a:t>Certain Top Selling Product Groups Cluster In Different Types of Customers</a:t>
+            </a:r>
+          </a:p>
+        </p:txBody>
+      </p:sp>
+      <p:pic>
+        <p:nvPicPr>
+          <p:cNvPr id="10" name="Picture 9">
+            <a:extLst>
+              <a:ext uri="{FF2B5EF4-FFF2-40B4-BE49-F238E27FC236}">
+                <a16:creationId xmlns:a16="http://schemas.microsoft.com/office/drawing/2014/main" id="{33E926CA-9C0F-4EA9-9AAB-8FA69FD1D637}"/>
+              </a:ext>
+            </a:extLst>
+          </p:cNvPr>
+          <p:cNvPicPr>
+            <a:picLocks noChangeAspect="1"/>
+          </p:cNvPicPr>
+          <p:nvPr/>
+        </p:nvPicPr>
+        <p:blipFill>
+          <a:blip r:embed="rId2"/>
+          <a:stretch>
+            <a:fillRect/>
+          </a:stretch>
+        </p:blipFill>
+        <p:spPr>
+          <a:xfrm>
+            <a:off x="2601654" y="1062040"/>
+            <a:ext cx="7775995" cy="5610225"/>
+          </a:xfrm>
+          <a:prstGeom prst="rect">
+            <a:avLst/>
+          </a:prstGeom>
+        </p:spPr>
+      </p:pic>
+      <p:sp>
+        <p:nvSpPr>
+          <p:cNvPr id="11" name="Rectangle 10">
+            <a:extLst>
+              <a:ext uri="{FF2B5EF4-FFF2-40B4-BE49-F238E27FC236}">
+                <a16:creationId xmlns:a16="http://schemas.microsoft.com/office/drawing/2014/main" id="{52049ABB-2B44-412C-96B5-9A702AF4C51F}"/>
+              </a:ext>
+            </a:extLst>
+          </p:cNvPr>
+          <p:cNvSpPr/>
+          <p:nvPr/>
+        </p:nvSpPr>
+        <p:spPr>
+          <a:xfrm>
+            <a:off x="1755259" y="3895726"/>
+            <a:ext cx="1692791" cy="1690688"/>
+          </a:xfrm>
+          <a:prstGeom prst="rect">
+            <a:avLst/>
+          </a:prstGeom>
+          <a:solidFill>
+            <a:schemeClr val="bg1"/>
+          </a:solidFill>
+          <a:ln>
+            <a:solidFill>
+              <a:schemeClr val="bg1"/>
+            </a:solidFill>
+          </a:ln>
+        </p:spPr>
+        <p:style>
+          <a:lnRef idx="2">
+            <a:schemeClr val="accent1">
+              <a:shade val="50000"/>
+            </a:schemeClr>
+          </a:lnRef>
+          <a:fillRef idx="1">
+            <a:schemeClr val="accent1"/>
+          </a:fillRef>
+          <a:effectRef idx="0">
+            <a:schemeClr val="accent1"/>
+          </a:effectRef>
+          <a:fontRef idx="minor">
+            <a:schemeClr val="lt1"/>
+          </a:fontRef>
+        </p:style>
+        <p:txBody>
+          <a:bodyPr rtlCol="0" anchor="ctr"/>
+          <a:lstStyle/>
+          <a:p>
+            <a:r>
+              <a:rPr lang="en-GB" sz="2000" dirty="0">
+                <a:solidFill>
+                  <a:schemeClr val="bg1">
+                    <a:lumMod val="65000"/>
+                  </a:schemeClr>
+                </a:solidFill>
+                <a:latin typeface="Arial" panose="020B0604020202020204" pitchFamily="34" charset="0"/>
+              </a:rPr>
+              <a:t>Mostly sold by </a:t>
+            </a:r>
+            <a:r>
+              <a:rPr lang="en-GB" sz="2000" b="1" dirty="0">
+                <a:solidFill>
+                  <a:srgbClr val="8CD2D4"/>
+                </a:solidFill>
+                <a:latin typeface="Arial" panose="020B0604020202020204" pitchFamily="34" charset="0"/>
+              </a:rPr>
+              <a:t>A/B</a:t>
+            </a:r>
+            <a:r>
+              <a:rPr lang="en-GB" sz="2000" b="1" dirty="0">
+                <a:solidFill>
+                  <a:schemeClr val="accent6">
+                    <a:lumMod val="60000"/>
+                    <a:lumOff val="40000"/>
+                  </a:schemeClr>
+                </a:solidFill>
+                <a:latin typeface="Arial" panose="020B0604020202020204" pitchFamily="34" charset="0"/>
+              </a:rPr>
+              <a:t> </a:t>
+            </a:r>
+            <a:r>
+              <a:rPr lang="en-GB" sz="2000" dirty="0">
+                <a:solidFill>
+                  <a:schemeClr val="bg1">
+                    <a:lumMod val="65000"/>
+                  </a:schemeClr>
+                </a:solidFill>
+                <a:latin typeface="Arial" panose="020B0604020202020204" pitchFamily="34" charset="0"/>
+              </a:rPr>
+              <a:t>Customers</a:t>
+            </a:r>
+            <a:endParaRPr lang="en-GB" sz="2000" b="1" dirty="0">
+              <a:solidFill>
+                <a:schemeClr val="accent6">
+                  <a:lumMod val="60000"/>
+                  <a:lumOff val="40000"/>
+                </a:schemeClr>
+              </a:solidFill>
+              <a:latin typeface="Arial" panose="020B0604020202020204" pitchFamily="34" charset="0"/>
+            </a:endParaRPr>
+          </a:p>
+        </p:txBody>
+      </p:sp>
+      <p:sp>
+        <p:nvSpPr>
+          <p:cNvPr id="8" name="Rectangle 7">
+            <a:extLst>
+              <a:ext uri="{FF2B5EF4-FFF2-40B4-BE49-F238E27FC236}">
+                <a16:creationId xmlns:a16="http://schemas.microsoft.com/office/drawing/2014/main" id="{A3EE7689-C170-43B3-B651-8379480AAA55}"/>
+              </a:ext>
+            </a:extLst>
+          </p:cNvPr>
+          <p:cNvSpPr/>
+          <p:nvPr/>
+        </p:nvSpPr>
+        <p:spPr>
+          <a:xfrm>
+            <a:off x="1755259" y="938216"/>
+            <a:ext cx="2373829" cy="1233487"/>
+          </a:xfrm>
+          <a:prstGeom prst="rect">
+            <a:avLst/>
+          </a:prstGeom>
+          <a:solidFill>
+            <a:schemeClr val="bg1"/>
+          </a:solidFill>
+          <a:ln>
+            <a:solidFill>
+              <a:schemeClr val="bg1"/>
+            </a:solidFill>
+          </a:ln>
+        </p:spPr>
+        <p:style>
+          <a:lnRef idx="2">
+            <a:schemeClr val="accent1">
+              <a:shade val="50000"/>
+            </a:schemeClr>
+          </a:lnRef>
+          <a:fillRef idx="1">
+            <a:schemeClr val="accent1"/>
+          </a:fillRef>
+          <a:effectRef idx="0">
+            <a:schemeClr val="accent1"/>
+          </a:effectRef>
+          <a:fontRef idx="minor">
+            <a:schemeClr val="lt1"/>
+          </a:fontRef>
+        </p:style>
+        <p:txBody>
+          <a:bodyPr rtlCol="0" anchor="ctr"/>
+          <a:lstStyle/>
+          <a:p>
+            <a:r>
+              <a:rPr lang="en-GB" sz="2000" dirty="0">
+                <a:solidFill>
+                  <a:schemeClr val="bg1">
+                    <a:lumMod val="65000"/>
+                  </a:schemeClr>
+                </a:solidFill>
+                <a:latin typeface="Arial" panose="020B0604020202020204" pitchFamily="34" charset="0"/>
+              </a:rPr>
+              <a:t>Mostly sold </a:t>
+            </a:r>
+          </a:p>
+          <a:p>
+            <a:r>
+              <a:rPr lang="en-GB" sz="2000" dirty="0">
+                <a:solidFill>
+                  <a:schemeClr val="bg1">
+                    <a:lumMod val="65000"/>
+                  </a:schemeClr>
+                </a:solidFill>
+                <a:latin typeface="Arial" panose="020B0604020202020204" pitchFamily="34" charset="0"/>
+              </a:rPr>
+              <a:t>by </a:t>
+            </a:r>
+            <a:r>
+              <a:rPr lang="en-GB" sz="2000" b="1" dirty="0">
+                <a:solidFill>
+                  <a:schemeClr val="accent6">
+                    <a:lumMod val="60000"/>
+                    <a:lumOff val="40000"/>
+                  </a:schemeClr>
+                </a:solidFill>
+                <a:latin typeface="Arial" panose="020B0604020202020204" pitchFamily="34" charset="0"/>
+              </a:rPr>
+              <a:t>C/D </a:t>
+            </a:r>
+          </a:p>
+          <a:p>
+            <a:r>
+              <a:rPr lang="en-GB" sz="2000" dirty="0">
+                <a:solidFill>
+                  <a:schemeClr val="bg1">
+                    <a:lumMod val="65000"/>
+                  </a:schemeClr>
+                </a:solidFill>
+                <a:latin typeface="Arial" panose="020B0604020202020204" pitchFamily="34" charset="0"/>
+              </a:rPr>
+              <a:t>Customers</a:t>
+            </a:r>
+            <a:endParaRPr lang="en-GB" sz="2000" b="1" dirty="0">
+              <a:solidFill>
+                <a:schemeClr val="accent6">
+                  <a:lumMod val="60000"/>
+                  <a:lumOff val="40000"/>
+                </a:schemeClr>
+              </a:solidFill>
+              <a:latin typeface="Arial" panose="020B0604020202020204" pitchFamily="34" charset="0"/>
+            </a:endParaRPr>
+          </a:p>
+        </p:txBody>
+      </p:sp>
+      <p:sp>
+        <p:nvSpPr>
+          <p:cNvPr id="12" name="Rectangle 11">
+            <a:extLst>
+              <a:ext uri="{FF2B5EF4-FFF2-40B4-BE49-F238E27FC236}">
+                <a16:creationId xmlns:a16="http://schemas.microsoft.com/office/drawing/2014/main" id="{07E82DAF-140E-4B97-B20A-6575CDD70727}"/>
+              </a:ext>
+            </a:extLst>
+          </p:cNvPr>
+          <p:cNvSpPr/>
+          <p:nvPr/>
+        </p:nvSpPr>
+        <p:spPr>
+          <a:xfrm>
+            <a:off x="162157" y="6167436"/>
+            <a:ext cx="6571785" cy="590550"/>
+          </a:xfrm>
+          <a:prstGeom prst="rect">
+            <a:avLst/>
+          </a:prstGeom>
+          <a:solidFill>
+            <a:schemeClr val="bg1"/>
+          </a:solidFill>
+          <a:ln>
+            <a:solidFill>
+              <a:schemeClr val="bg1"/>
+            </a:solidFill>
+          </a:ln>
+        </p:spPr>
+        <p:style>
+          <a:lnRef idx="2">
+            <a:schemeClr val="accent1">
+              <a:shade val="50000"/>
+            </a:schemeClr>
+          </a:lnRef>
+          <a:fillRef idx="1">
+            <a:schemeClr val="accent1"/>
+          </a:fillRef>
+          <a:effectRef idx="0">
+            <a:schemeClr val="accent1"/>
+          </a:effectRef>
+          <a:fontRef idx="minor">
+            <a:schemeClr val="lt1"/>
+          </a:fontRef>
+        </p:style>
+        <p:txBody>
+          <a:bodyPr rtlCol="0" anchor="ctr"/>
+          <a:lstStyle/>
+          <a:p>
+            <a:r>
+              <a:rPr lang="en-GB" sz="2000" dirty="0">
+                <a:solidFill>
+                  <a:schemeClr val="bg1">
+                    <a:lumMod val="50000"/>
+                  </a:schemeClr>
+                </a:solidFill>
+                <a:latin typeface="Arial" panose="020B0604020202020204" pitchFamily="34" charset="0"/>
+              </a:rPr>
+              <a:t>Could bags and signs be further </a:t>
+            </a:r>
+            <a:r>
+              <a:rPr lang="en-GB" sz="2000" dirty="0">
+                <a:solidFill>
+                  <a:srgbClr val="C00000"/>
+                </a:solidFill>
+                <a:latin typeface="Arial" panose="020B0604020202020204" pitchFamily="34" charset="0"/>
+              </a:rPr>
+              <a:t>cross sold</a:t>
+            </a:r>
+            <a:r>
+              <a:rPr lang="en-GB" sz="2000" dirty="0">
+                <a:solidFill>
+                  <a:schemeClr val="bg1">
+                    <a:lumMod val="50000"/>
+                  </a:schemeClr>
+                </a:solidFill>
+                <a:latin typeface="Arial" panose="020B0604020202020204" pitchFamily="34" charset="0"/>
+              </a:rPr>
+              <a:t>?</a:t>
+            </a:r>
+          </a:p>
+        </p:txBody>
+      </p:sp>
+    </p:spTree>
+    <p:extLst>
+      <p:ext uri="{BB962C8B-B14F-4D97-AF65-F5344CB8AC3E}">
+        <p14:creationId xmlns:p14="http://schemas.microsoft.com/office/powerpoint/2010/main" val="854100131"/>
       </p:ext>
     </p:extLst>
   </p:cSld>
